--- a/Shared/[FastCampus] 7주차_강의자료_김경원박사.pptx
+++ b/Shared/[FastCampus] 7주차_강의자료_김경원박사.pptx
@@ -12,7 +12,7 @@
   </p:handoutMasterIdLst>
   <p:sldIdLst>
     <p:sldId id="1063" r:id="rId2"/>
-    <p:sldId id="1142" r:id="rId3"/>
+    <p:sldId id="1230" r:id="rId3"/>
     <p:sldId id="1103" r:id="rId4"/>
     <p:sldId id="1186" r:id="rId5"/>
     <p:sldId id="1187" r:id="rId6"/>
@@ -269,7 +269,7 @@
           <a:p>
             <a:fld id="{FC718EE8-BF93-4A17-BED5-FC99EECA5FC7}" type="datetimeFigureOut">
               <a:rPr lang="ko-KR" altLang="en-US" smtClean="0"/>
-              <a:t>2019-07-21</a:t>
+              <a:t>2019-08-04</a:t>
             </a:fld>
             <a:endParaRPr lang="ko-KR" altLang="en-US"/>
           </a:p>
@@ -434,7 +434,7 @@
           <a:p>
             <a:fld id="{6101F873-BA02-446B-9127-C4DE4310B943}" type="datetimeFigureOut">
               <a:rPr lang="ko-KR" altLang="en-US" smtClean="0"/>
-              <a:t>2019-07-21</a:t>
+              <a:t>2019-08-04</a:t>
             </a:fld>
             <a:endParaRPr lang="ko-KR" altLang="en-US"/>
           </a:p>
@@ -764,18 +764,78 @@
           <a:bodyPr/>
           <a:lstStyle/>
           <a:p>
+            <a:pPr marL="0" marR="0" lvl="0" indent="0" algn="r" defTabSz="1107796" rtl="0" eaLnBrk="1" fontAlgn="auto" latinLnBrk="1" hangingPunct="1">
+              <a:lnSpc>
+                <a:spcPct val="100000"/>
+              </a:lnSpc>
+              <a:spcBef>
+                <a:spcPts val="0"/>
+              </a:spcBef>
+              <a:spcAft>
+                <a:spcPts val="0"/>
+              </a:spcAft>
+              <a:buClrTx/>
+              <a:buSzTx/>
+              <a:buFontTx/>
+              <a:buNone/>
+              <a:tabLst/>
+              <a:defRPr/>
+            </a:pPr>
             <a:fld id="{C191BC67-C438-4515-9D3F-F10D40F1354A}" type="slidenum">
-              <a:rPr lang="ko-KR" altLang="en-US" smtClean="0"/>
+              <a:rPr kumimoji="0" lang="ko-KR" altLang="en-US" sz="1200" b="0" i="0" u="none" strike="noStrike" kern="1200" cap="none" spc="0" normalizeH="0" baseline="0" noProof="0" smtClean="0">
+                <a:ln>
+                  <a:noFill/>
+                </a:ln>
+                <a:solidFill>
+                  <a:prstClr val="black"/>
+                </a:solidFill>
+                <a:effectLst/>
+                <a:uLnTx/>
+                <a:uFillTx/>
+                <a:latin typeface="맑은 고딕"/>
+                <a:ea typeface="맑은 고딕" panose="020B0503020000020004" pitchFamily="50" charset="-127"/>
+                <a:cs typeface="+mn-cs"/>
+              </a:rPr>
+              <a:pPr marL="0" marR="0" lvl="0" indent="0" algn="r" defTabSz="1107796" rtl="0" eaLnBrk="1" fontAlgn="auto" latinLnBrk="1" hangingPunct="1">
+                <a:lnSpc>
+                  <a:spcPct val="100000"/>
+                </a:lnSpc>
+                <a:spcBef>
+                  <a:spcPts val="0"/>
+                </a:spcBef>
+                <a:spcAft>
+                  <a:spcPts val="0"/>
+                </a:spcAft>
+                <a:buClrTx/>
+                <a:buSzTx/>
+                <a:buFontTx/>
+                <a:buNone/>
+                <a:tabLst/>
+                <a:defRPr/>
+              </a:pPr>
               <a:t>2</a:t>
             </a:fld>
-            <a:endParaRPr lang="ko-KR" altLang="en-US"/>
+            <a:endParaRPr kumimoji="0" lang="ko-KR" altLang="en-US" sz="1200" b="0" i="0" u="none" strike="noStrike" kern="1200" cap="none" spc="0" normalizeH="0" baseline="0" noProof="0">
+              <a:ln>
+                <a:noFill/>
+              </a:ln>
+              <a:solidFill>
+                <a:prstClr val="black"/>
+              </a:solidFill>
+              <a:effectLst/>
+              <a:uLnTx/>
+              <a:uFillTx/>
+              <a:latin typeface="맑은 고딕"/>
+              <a:ea typeface="맑은 고딕" panose="020B0503020000020004" pitchFamily="50" charset="-127"/>
+              <a:cs typeface="+mn-cs"/>
+            </a:endParaRPr>
           </a:p>
         </p:txBody>
       </p:sp>
     </p:spTree>
     <p:extLst>
       <p:ext uri="{BB962C8B-B14F-4D97-AF65-F5344CB8AC3E}">
-        <p14:creationId xmlns:p14="http://schemas.microsoft.com/office/powerpoint/2010/main" val="3775101291"/>
+        <p14:creationId xmlns:p14="http://schemas.microsoft.com/office/powerpoint/2010/main" val="315997949"/>
       </p:ext>
     </p:extLst>
   </p:cSld>
@@ -964,7 +1024,7 @@
           <a:p>
             <a:fld id="{89B5E594-86C5-4F1D-8812-38DF40064943}" type="datetime1">
               <a:rPr lang="ko-KR" altLang="en-US" smtClean="0"/>
-              <a:t>2019-07-21</a:t>
+              <a:t>2019-08-04</a:t>
             </a:fld>
             <a:endParaRPr lang="ko-KR" altLang="en-US"/>
           </a:p>
@@ -1172,7 +1232,7 @@
           <a:p>
             <a:fld id="{05C0B17C-522D-4CD8-8139-01EDEBAB2AF6}" type="datetime1">
               <a:rPr lang="ko-KR" altLang="en-US" smtClean="0"/>
-              <a:t>2019-07-21</a:t>
+              <a:t>2019-08-04</a:t>
             </a:fld>
             <a:endParaRPr lang="ko-KR" altLang="en-US"/>
           </a:p>
@@ -1350,7 +1410,7 @@
           <a:p>
             <a:fld id="{7345261C-38F3-40E7-AAA6-CE27B727AA65}" type="datetime1">
               <a:rPr lang="ko-KR" altLang="en-US" smtClean="0"/>
-              <a:t>2019-07-21</a:t>
+              <a:t>2019-08-04</a:t>
             </a:fld>
             <a:endParaRPr lang="ko-KR" altLang="en-US"/>
           </a:p>
@@ -1518,7 +1578,7 @@
           <a:p>
             <a:fld id="{A8472951-AD8C-47B8-8787-30E2F4BFA1EA}" type="datetime1">
               <a:rPr lang="ko-KR" altLang="en-US" smtClean="0"/>
-              <a:t>2019-07-21</a:t>
+              <a:t>2019-08-04</a:t>
             </a:fld>
             <a:endParaRPr lang="ko-KR" altLang="en-US"/>
           </a:p>
@@ -1773,7 +1833,7 @@
           <a:p>
             <a:fld id="{8BCB1BBF-13D1-46E6-8B8B-C9F26A0BAD91}" type="datetime1">
               <a:rPr lang="ko-KR" altLang="en-US" smtClean="0"/>
-              <a:t>2019-07-21</a:t>
+              <a:t>2019-08-04</a:t>
             </a:fld>
             <a:endParaRPr lang="ko-KR" altLang="en-US"/>
           </a:p>
@@ -2058,7 +2118,7 @@
           <a:p>
             <a:fld id="{B16FDC3D-FD6A-49DF-B101-11717D57279F}" type="datetime1">
               <a:rPr lang="ko-KR" altLang="en-US" smtClean="0"/>
-              <a:t>2019-07-21</a:t>
+              <a:t>2019-08-04</a:t>
             </a:fld>
             <a:endParaRPr lang="ko-KR" altLang="en-US"/>
           </a:p>
@@ -2477,7 +2537,7 @@
           <a:p>
             <a:fld id="{42D411A2-FD90-4A19-98A8-25197A66BC26}" type="datetime1">
               <a:rPr lang="ko-KR" altLang="en-US" smtClean="0"/>
-              <a:t>2019-07-21</a:t>
+              <a:t>2019-08-04</a:t>
             </a:fld>
             <a:endParaRPr lang="ko-KR" altLang="en-US"/>
           </a:p>
@@ -2594,7 +2654,7 @@
           <a:p>
             <a:fld id="{F6E6B532-6471-449A-9A2F-4428556C2F98}" type="datetime1">
               <a:rPr lang="ko-KR" altLang="en-US" smtClean="0"/>
-              <a:t>2019-07-21</a:t>
+              <a:t>2019-08-04</a:t>
             </a:fld>
             <a:endParaRPr lang="ko-KR" altLang="en-US"/>
           </a:p>
@@ -2689,7 +2749,7 @@
           <a:p>
             <a:fld id="{45A9E13B-856D-4562-A86D-A2B6F7BF810F}" type="datetime1">
               <a:rPr lang="ko-KR" altLang="en-US" smtClean="0"/>
-              <a:t>2019-07-21</a:t>
+              <a:t>2019-08-04</a:t>
             </a:fld>
             <a:endParaRPr lang="ko-KR" altLang="en-US"/>
           </a:p>
@@ -2964,7 +3024,7 @@
           <a:p>
             <a:fld id="{A672FB3A-7E9E-4380-9381-6FCA87FBB41A}" type="datetime1">
               <a:rPr lang="ko-KR" altLang="en-US" smtClean="0"/>
-              <a:t>2019-07-21</a:t>
+              <a:t>2019-08-04</a:t>
             </a:fld>
             <a:endParaRPr lang="ko-KR" altLang="en-US"/>
           </a:p>
@@ -3216,7 +3276,7 @@
           <a:p>
             <a:fld id="{3948CCBA-1514-4E9E-888A-807450F810B0}" type="datetime1">
               <a:rPr lang="ko-KR" altLang="en-US" smtClean="0"/>
-              <a:t>2019-07-21</a:t>
+              <a:t>2019-08-04</a:t>
             </a:fld>
             <a:endParaRPr lang="ko-KR" altLang="en-US"/>
           </a:p>
@@ -3429,7 +3489,7 @@
           <a:p>
             <a:fld id="{170EDEE7-370E-499F-B978-ABF387098974}" type="datetime1">
               <a:rPr lang="ko-KR" altLang="en-US" smtClean="0"/>
-              <a:t>2019-07-21</a:t>
+              <a:t>2019-08-04</a:t>
             </a:fld>
             <a:endParaRPr lang="ko-KR" altLang="en-US" dirty="0"/>
           </a:p>
@@ -5706,7 +5766,7 @@
           <p:cNvPr id="5" name="슬라이드 번호 개체 틀 3">
             <a:extLst>
               <a:ext uri="{FF2B5EF4-FFF2-40B4-BE49-F238E27FC236}">
-                <a16:creationId xmlns:a16="http://schemas.microsoft.com/office/drawing/2014/main" id="{BAD082AA-425D-4D66-944D-ABB5880C440E}"/>
+                <a16:creationId xmlns:a16="http://schemas.microsoft.com/office/drawing/2014/main" id="{F33380C6-69E2-4A83-9BD2-04C62FE5D24B}"/>
               </a:ext>
             </a:extLst>
           </p:cNvPr>
@@ -5727,12 +5787,73 @@
           <a:bodyPr/>
           <a:lstStyle/>
           <a:p>
+            <a:pPr marL="0" marR="0" lvl="0" indent="0" algn="r" defTabSz="1107796" rtl="0" eaLnBrk="1" fontAlgn="auto" latinLnBrk="1" hangingPunct="1">
+              <a:lnSpc>
+                <a:spcPct val="100000"/>
+              </a:lnSpc>
+              <a:spcBef>
+                <a:spcPts val="0"/>
+              </a:spcBef>
+              <a:spcAft>
+                <a:spcPts val="0"/>
+              </a:spcAft>
+              <a:buClrTx/>
+              <a:buSzTx/>
+              <a:buFontTx/>
+              <a:buNone/>
+              <a:tabLst/>
+              <a:defRPr/>
+            </a:pPr>
             <a:fld id="{6DDAE2C3-1A0B-474A-8CE8-AE55B8D9D4B1}" type="slidenum">
-              <a:rPr lang="ko-KR" altLang="en-US" smtClean="0"/>
-              <a:pPr/>
+              <a:rPr kumimoji="0" lang="ko-KR" altLang="en-US" sz="900" b="0" i="0" u="none" strike="noStrike" kern="1200" cap="none" spc="0" normalizeH="0" baseline="0" noProof="0" smtClean="0">
+                <a:ln>
+                  <a:noFill/>
+                </a:ln>
+                <a:solidFill>
+                  <a:prstClr val="black">
+                    <a:tint val="75000"/>
+                  </a:prstClr>
+                </a:solidFill>
+                <a:effectLst/>
+                <a:uLnTx/>
+                <a:uFillTx/>
+                <a:ea typeface="Noto Sans CJK KR Bold" panose="020B0800000000000000" pitchFamily="34" charset="-127"/>
+                <a:cs typeface="+mn-cs"/>
+              </a:rPr>
+              <a:pPr marL="0" marR="0" lvl="0" indent="0" algn="r" defTabSz="1107796" rtl="0" eaLnBrk="1" fontAlgn="auto" latinLnBrk="1" hangingPunct="1">
+                <a:lnSpc>
+                  <a:spcPct val="100000"/>
+                </a:lnSpc>
+                <a:spcBef>
+                  <a:spcPts val="0"/>
+                </a:spcBef>
+                <a:spcAft>
+                  <a:spcPts val="0"/>
+                </a:spcAft>
+                <a:buClrTx/>
+                <a:buSzTx/>
+                <a:buFontTx/>
+                <a:buNone/>
+                <a:tabLst/>
+                <a:defRPr/>
+              </a:pPr>
               <a:t>2</a:t>
             </a:fld>
-            <a:endParaRPr lang="ko-KR" altLang="en-US" dirty="0"/>
+            <a:endParaRPr kumimoji="0" lang="ko-KR" altLang="en-US" sz="900" b="0" i="0" u="none" strike="noStrike" kern="1200" cap="none" spc="0" normalizeH="0" baseline="0" noProof="0" dirty="0">
+              <a:ln>
+                <a:noFill/>
+              </a:ln>
+              <a:solidFill>
+                <a:prstClr val="black">
+                  <a:tint val="75000"/>
+                </a:prstClr>
+              </a:solidFill>
+              <a:effectLst/>
+              <a:uLnTx/>
+              <a:uFillTx/>
+              <a:ea typeface="Noto Sans CJK KR Bold" panose="020B0800000000000000" pitchFamily="34" charset="-127"/>
+              <a:cs typeface="+mn-cs"/>
+            </a:endParaRPr>
           </a:p>
         </p:txBody>
       </p:sp>
@@ -5741,7 +5862,7 @@
           <p:cNvPr id="6" name="TextBox 5">
             <a:extLst>
               <a:ext uri="{FF2B5EF4-FFF2-40B4-BE49-F238E27FC236}">
-                <a16:creationId xmlns:a16="http://schemas.microsoft.com/office/drawing/2014/main" id="{9D4C314A-EDF3-451D-9599-8CD44BE1EAB2}"/>
+                <a16:creationId xmlns:a16="http://schemas.microsoft.com/office/drawing/2014/main" id="{8BF01066-6B0A-4FA1-8C23-4A69A6736913}"/>
               </a:ext>
             </a:extLst>
           </p:cNvPr>
@@ -5751,7 +5872,7 @@
         <p:spPr>
           <a:xfrm>
             <a:off x="542135" y="855851"/>
-            <a:ext cx="11298630" cy="3016210"/>
+            <a:ext cx="11298630" cy="2708434"/>
           </a:xfrm>
           <a:prstGeom prst="rect">
             <a:avLst/>
@@ -5764,10 +5885,27 @@
           </a:bodyPr>
           <a:lstStyle/>
           <a:p>
+            <a:pPr marL="0" marR="0" lvl="0" indent="0" algn="l" defTabSz="1107796" rtl="0" eaLnBrk="1" fontAlgn="auto" latinLnBrk="1" hangingPunct="1">
+              <a:lnSpc>
+                <a:spcPct val="100000"/>
+              </a:lnSpc>
+              <a:spcBef>
+                <a:spcPts val="0"/>
+              </a:spcBef>
+              <a:spcAft>
+                <a:spcPts val="0"/>
+              </a:spcAft>
+              <a:buClrTx/>
+              <a:buSzTx/>
+              <a:buFontTx/>
+              <a:buNone/>
+              <a:tabLst/>
+              <a:defRPr/>
+            </a:pPr>
             <a:r>
               <a:rPr lang="en-US" altLang="ko-KR" sz="4400" dirty="0">
                 <a:solidFill>
-                  <a:schemeClr val="bg1"/>
+                  <a:prstClr val="white"/>
                 </a:solidFill>
                 <a:latin typeface="Noto Sans CJK KR Black" panose="020B0A00000000000000" pitchFamily="34" charset="-127"/>
                 <a:ea typeface="Noto Sans CJK KR Black" panose="020B0A00000000000000" pitchFamily="34" charset="-127"/>
@@ -5775,154 +5913,152 @@
               <a:t>7</a:t>
             </a:r>
             <a:r>
-              <a:rPr lang="ko-KR" altLang="en-US" sz="4400" dirty="0">
-                <a:solidFill>
-                  <a:schemeClr val="bg1"/>
-                </a:solidFill>
+              <a:rPr kumimoji="0" lang="ko-KR" altLang="en-US" sz="4400" b="0" i="0" u="none" strike="noStrike" kern="1200" cap="none" spc="0" normalizeH="0" baseline="0" noProof="0" dirty="0">
+                <a:ln>
+                  <a:noFill/>
+                </a:ln>
+                <a:solidFill>
+                  <a:prstClr val="white"/>
+                </a:solidFill>
+                <a:effectLst/>
+                <a:uLnTx/>
+                <a:uFillTx/>
                 <a:latin typeface="Noto Sans CJK KR Black" panose="020B0A00000000000000" pitchFamily="34" charset="-127"/>
                 <a:ea typeface="Noto Sans CJK KR Black" panose="020B0A00000000000000" pitchFamily="34" charset="-127"/>
-              </a:rPr>
-              <a:t>주차 강의의 목적</a:t>
-            </a:r>
-            <a:endParaRPr lang="en-US" altLang="ko-KR" sz="4400" dirty="0">
+                <a:cs typeface="+mn-cs"/>
+              </a:rPr>
+              <a:t>주차 </a:t>
+            </a:r>
+            <a:endParaRPr kumimoji="0" lang="en-US" altLang="ko-KR" sz="4400" b="0" i="0" u="none" strike="noStrike" kern="1200" cap="none" spc="0" normalizeH="0" baseline="0" noProof="0" dirty="0">
+              <a:ln>
+                <a:noFill/>
+              </a:ln>
               <a:solidFill>
-                <a:schemeClr val="bg1"/>
+                <a:prstClr val="white"/>
               </a:solidFill>
+              <a:effectLst/>
+              <a:uLnTx/>
+              <a:uFillTx/>
               <a:latin typeface="Noto Sans CJK KR Black" panose="020B0A00000000000000" pitchFamily="34" charset="-127"/>
               <a:ea typeface="Noto Sans CJK KR Black" panose="020B0A00000000000000" pitchFamily="34" charset="-127"/>
+              <a:cs typeface="+mn-cs"/>
             </a:endParaRPr>
           </a:p>
           <a:p>
-            <a:endParaRPr lang="en-US" altLang="ko-KR" sz="4400" dirty="0">
+            <a:pPr marL="0" marR="0" lvl="0" indent="0" algn="l" defTabSz="1107796" rtl="0" eaLnBrk="1" fontAlgn="auto" latinLnBrk="1" hangingPunct="1">
+              <a:lnSpc>
+                <a:spcPct val="100000"/>
+              </a:lnSpc>
+              <a:spcBef>
+                <a:spcPts val="0"/>
+              </a:spcBef>
+              <a:spcAft>
+                <a:spcPts val="0"/>
+              </a:spcAft>
+              <a:buClrTx/>
+              <a:buSzTx/>
+              <a:buFontTx/>
+              <a:buNone/>
+              <a:tabLst/>
+              <a:defRPr/>
+            </a:pPr>
+            <a:r>
+              <a:rPr kumimoji="0" lang="ko-KR" altLang="en-US" sz="4400" b="0" i="0" u="none" strike="noStrike" kern="1200" cap="none" spc="0" normalizeH="0" baseline="0" noProof="0" dirty="0">
+                <a:ln>
+                  <a:noFill/>
+                </a:ln>
+                <a:solidFill>
+                  <a:prstClr val="white"/>
+                </a:solidFill>
+                <a:effectLst/>
+                <a:uLnTx/>
+                <a:uFillTx/>
+                <a:latin typeface="Noto Sans CJK KR Black" panose="020B0A00000000000000" pitchFamily="34" charset="-127"/>
+                <a:ea typeface="Noto Sans CJK KR Black" panose="020B0A00000000000000" pitchFamily="34" charset="-127"/>
+                <a:cs typeface="+mn-cs"/>
+              </a:rPr>
+              <a:t>강의의 목적</a:t>
+            </a:r>
+            <a:endParaRPr kumimoji="0" lang="en-US" altLang="ko-KR" sz="4400" b="0" i="0" u="none" strike="noStrike" kern="1200" cap="none" spc="0" normalizeH="0" baseline="0" noProof="0" dirty="0">
+              <a:ln>
+                <a:noFill/>
+              </a:ln>
               <a:solidFill>
-                <a:schemeClr val="bg1"/>
+                <a:prstClr val="white"/>
               </a:solidFill>
+              <a:effectLst/>
+              <a:uLnTx/>
+              <a:uFillTx/>
               <a:latin typeface="Noto Sans CJK KR Black" panose="020B0A00000000000000" pitchFamily="34" charset="-127"/>
               <a:ea typeface="Noto Sans CJK KR Black" panose="020B0A00000000000000" pitchFamily="34" charset="-127"/>
+              <a:cs typeface="+mn-cs"/>
             </a:endParaRPr>
           </a:p>
           <a:p>
-            <a:endParaRPr lang="en-US" altLang="ko-KR" sz="4400" dirty="0">
+            <a:pPr marL="0" marR="0" lvl="0" indent="0" algn="l" defTabSz="1107796" rtl="0" eaLnBrk="1" fontAlgn="auto" latinLnBrk="1" hangingPunct="1">
+              <a:lnSpc>
+                <a:spcPct val="100000"/>
+              </a:lnSpc>
+              <a:spcBef>
+                <a:spcPts val="0"/>
+              </a:spcBef>
+              <a:spcAft>
+                <a:spcPts val="0"/>
+              </a:spcAft>
+              <a:buClrTx/>
+              <a:buSzTx/>
+              <a:buFontTx/>
+              <a:buNone/>
+              <a:tabLst/>
+              <a:defRPr/>
+            </a:pPr>
+            <a:endParaRPr kumimoji="0" lang="en-US" altLang="ko-KR" sz="4400" b="0" i="0" u="none" strike="noStrike" kern="1200" cap="none" spc="0" normalizeH="0" baseline="0" noProof="0" dirty="0">
+              <a:ln>
+                <a:noFill/>
+              </a:ln>
               <a:solidFill>
-                <a:schemeClr val="bg1"/>
+                <a:prstClr val="white"/>
               </a:solidFill>
+              <a:effectLst/>
+              <a:uLnTx/>
+              <a:uFillTx/>
               <a:latin typeface="Noto Sans CJK KR Black" panose="020B0A00000000000000" pitchFamily="34" charset="-127"/>
               <a:ea typeface="Noto Sans CJK KR Black" panose="020B0A00000000000000" pitchFamily="34" charset="-127"/>
+              <a:cs typeface="+mn-cs"/>
             </a:endParaRPr>
           </a:p>
           <a:p>
-            <a:r>
-              <a:rPr lang="en-US" altLang="ko-KR" sz="3200" dirty="0">
-                <a:solidFill>
-                  <a:schemeClr val="bg1"/>
-                </a:solidFill>
-                <a:latin typeface="Noto Sans CJK KR Black" panose="020B0A00000000000000" pitchFamily="34" charset="-127"/>
-                <a:ea typeface="Noto Sans CJK KR Black" panose="020B0A00000000000000" pitchFamily="34" charset="-127"/>
-              </a:rPr>
-              <a:t>“</a:t>
-            </a:r>
-            <a:r>
-              <a:rPr lang="ko-KR" altLang="en-US" sz="3200" dirty="0">
-                <a:solidFill>
-                  <a:schemeClr val="bg1"/>
-                </a:solidFill>
-                <a:latin typeface="Noto Sans CJK KR Black" panose="020B0A00000000000000" pitchFamily="34" charset="-127"/>
-                <a:ea typeface="Noto Sans CJK KR Black" panose="020B0A00000000000000" pitchFamily="34" charset="-127"/>
-              </a:rPr>
-              <a:t>시계열 알고리즘</a:t>
-            </a:r>
-            <a:r>
-              <a:rPr lang="en-US" altLang="ko-KR" sz="3200" dirty="0">
-                <a:solidFill>
-                  <a:schemeClr val="bg1"/>
-                </a:solidFill>
-                <a:latin typeface="Noto Sans CJK KR Black" panose="020B0A00000000000000" pitchFamily="34" charset="-127"/>
-                <a:ea typeface="Noto Sans CJK KR Black" panose="020B0A00000000000000" pitchFamily="34" charset="-127"/>
-              </a:rPr>
-              <a:t>“</a:t>
-            </a:r>
-          </a:p>
-          <a:p>
-            <a:r>
-              <a:rPr lang="en-US" altLang="ko-KR" sz="3200" dirty="0">
-                <a:solidFill>
-                  <a:schemeClr val="bg1"/>
-                </a:solidFill>
-                <a:latin typeface="Noto Sans CJK KR Black" panose="020B0A00000000000000" pitchFamily="34" charset="-127"/>
-                <a:ea typeface="Noto Sans CJK KR Black" panose="020B0A00000000000000" pitchFamily="34" charset="-127"/>
-              </a:rPr>
-              <a:t>(</a:t>
-            </a:r>
-            <a:r>
-              <a:rPr lang="ko-KR" altLang="en-US" sz="3200" dirty="0">
-                <a:solidFill>
-                  <a:schemeClr val="bg1"/>
-                </a:solidFill>
-                <a:latin typeface="Noto Sans CJK KR Black" panose="020B0A00000000000000" pitchFamily="34" charset="-127"/>
-                <a:ea typeface="Noto Sans CJK KR Black" panose="020B0A00000000000000" pitchFamily="34" charset="-127"/>
-              </a:rPr>
-              <a:t>일반 선형확률과정</a:t>
-            </a:r>
-            <a:r>
-              <a:rPr lang="en-US" altLang="ko-KR" sz="3200" dirty="0">
-                <a:solidFill>
-                  <a:schemeClr val="bg1"/>
-                </a:solidFill>
-                <a:latin typeface="Noto Sans CJK KR Black" panose="020B0A00000000000000" pitchFamily="34" charset="-127"/>
-                <a:ea typeface="Noto Sans CJK KR Black" panose="020B0A00000000000000" pitchFamily="34" charset="-127"/>
-              </a:rPr>
-              <a:t>, </a:t>
-            </a:r>
-            <a:r>
-              <a:rPr lang="ko-KR" altLang="en-US" sz="3200" dirty="0">
-                <a:solidFill>
-                  <a:schemeClr val="bg1"/>
-                </a:solidFill>
-                <a:latin typeface="Noto Sans CJK KR Black" panose="020B0A00000000000000" pitchFamily="34" charset="-127"/>
-                <a:ea typeface="Noto Sans CJK KR Black" panose="020B0A00000000000000" pitchFamily="34" charset="-127"/>
-              </a:rPr>
-              <a:t>적분 선형확률과정</a:t>
-            </a:r>
-            <a:r>
-              <a:rPr lang="en-US" altLang="ko-KR" sz="3200" dirty="0">
-                <a:solidFill>
-                  <a:schemeClr val="bg1"/>
-                </a:solidFill>
-                <a:latin typeface="Noto Sans CJK KR Black" panose="020B0A00000000000000" pitchFamily="34" charset="-127"/>
-                <a:ea typeface="Noto Sans CJK KR Black" panose="020B0A00000000000000" pitchFamily="34" charset="-127"/>
-              </a:rPr>
-              <a:t>, </a:t>
-            </a:r>
-            <a:r>
-              <a:rPr lang="ko-KR" altLang="en-US" sz="3200" dirty="0">
-                <a:solidFill>
-                  <a:schemeClr val="bg1"/>
-                </a:solidFill>
-                <a:latin typeface="Noto Sans CJK KR Black" panose="020B0A00000000000000" pitchFamily="34" charset="-127"/>
-                <a:ea typeface="Noto Sans CJK KR Black" panose="020B0A00000000000000" pitchFamily="34" charset="-127"/>
-              </a:rPr>
-              <a:t>시계열 </a:t>
-            </a:r>
-            <a:r>
-              <a:rPr lang="ko-KR" altLang="en-US" sz="3200" dirty="0" err="1">
-                <a:solidFill>
-                  <a:schemeClr val="bg1"/>
-                </a:solidFill>
-                <a:latin typeface="Noto Sans CJK KR Black" panose="020B0A00000000000000" pitchFamily="34" charset="-127"/>
-                <a:ea typeface="Noto Sans CJK KR Black" panose="020B0A00000000000000" pitchFamily="34" charset="-127"/>
-              </a:rPr>
-              <a:t>분석싸이클</a:t>
-            </a:r>
-            <a:r>
-              <a:rPr lang="en-US" altLang="ko-KR" sz="3200" dirty="0">
-                <a:solidFill>
-                  <a:schemeClr val="bg1"/>
-                </a:solidFill>
-                <a:latin typeface="Noto Sans CJK KR Black" panose="020B0A00000000000000" pitchFamily="34" charset="-127"/>
-                <a:ea typeface="Noto Sans CJK KR Black" panose="020B0A00000000000000" pitchFamily="34" charset="-127"/>
-              </a:rPr>
-              <a:t>)</a:t>
-            </a:r>
+            <a:pPr marL="0" marR="0" lvl="0" indent="0" algn="l" defTabSz="1107796" rtl="0" eaLnBrk="1" fontAlgn="auto" latinLnBrk="1" hangingPunct="1">
+              <a:lnSpc>
+                <a:spcPct val="100000"/>
+              </a:lnSpc>
+              <a:spcBef>
+                <a:spcPts val="0"/>
+              </a:spcBef>
+              <a:spcAft>
+                <a:spcPts val="0"/>
+              </a:spcAft>
+              <a:buClrTx/>
+              <a:buSzTx/>
+              <a:buFontTx/>
+              <a:buNone/>
+              <a:tabLst/>
+              <a:defRPr/>
+            </a:pPr>
+            <a:endParaRPr kumimoji="0" lang="en-US" altLang="ko-KR" sz="4400" b="0" i="0" u="none" strike="noStrike" kern="1200" cap="none" spc="0" normalizeH="0" baseline="0" noProof="0" dirty="0">
+              <a:ln>
+                <a:noFill/>
+              </a:ln>
+              <a:solidFill>
+                <a:prstClr val="white"/>
+              </a:solidFill>
+              <a:effectLst/>
+              <a:uLnTx/>
+              <a:uFillTx/>
+              <a:latin typeface="Noto Sans CJK KR Black" panose="020B0A00000000000000" pitchFamily="34" charset="-127"/>
+              <a:ea typeface="Noto Sans CJK KR Black" panose="020B0A00000000000000" pitchFamily="34" charset="-127"/>
+              <a:cs typeface="+mn-cs"/>
+            </a:endParaRPr>
           </a:p>
         </p:txBody>
       </p:sp>
@@ -5931,7 +6067,7 @@
           <p:cNvPr id="7" name="TextBox 6">
             <a:extLst>
               <a:ext uri="{FF2B5EF4-FFF2-40B4-BE49-F238E27FC236}">
-                <a16:creationId xmlns:a16="http://schemas.microsoft.com/office/drawing/2014/main" id="{1ED000B0-FB5D-4374-910E-B19EDB6AF664}"/>
+                <a16:creationId xmlns:a16="http://schemas.microsoft.com/office/drawing/2014/main" id="{9FE01AB0-92B6-48E5-9989-63C685E5911E}"/>
               </a:ext>
             </a:extLst>
           </p:cNvPr>
@@ -5954,25 +6090,184 @@
           </a:bodyPr>
           <a:lstStyle/>
           <a:p>
-            <a:pPr>
+            <a:pPr marL="0" marR="0" lvl="0" indent="0" algn="l" defTabSz="1107796" rtl="0" eaLnBrk="1" fontAlgn="auto" latinLnBrk="1" hangingPunct="1">
               <a:lnSpc>
                 <a:spcPct val="150000"/>
               </a:lnSpc>
+              <a:spcBef>
+                <a:spcPts val="0"/>
+              </a:spcBef>
+              <a:spcAft>
+                <a:spcPts val="0"/>
+              </a:spcAft>
+              <a:buClrTx/>
+              <a:buSzTx/>
+              <a:buFontTx/>
+              <a:buNone/>
+              <a:tabLst/>
+              <a:defRPr/>
             </a:pPr>
-            <a:endParaRPr lang="en-US" altLang="ko-KR" sz="1050" dirty="0">
+            <a:endParaRPr kumimoji="0" lang="en-US" altLang="ko-KR" sz="1050" b="0" i="0" u="none" strike="noStrike" kern="1200" cap="none" spc="0" normalizeH="0" baseline="0" noProof="0" dirty="0">
+              <a:ln>
+                <a:noFill/>
+              </a:ln>
               <a:solidFill>
-                <a:schemeClr val="bg1"/>
+                <a:prstClr val="white"/>
               </a:solidFill>
+              <a:effectLst/>
+              <a:uLnTx/>
+              <a:uFillTx/>
               <a:latin typeface="Noto Sans CJK KR Medium" panose="020B0600000000000000" pitchFamily="34" charset="-127"/>
               <a:ea typeface="Noto Sans CJK KR Medium" panose="020B0600000000000000" pitchFamily="34" charset="-127"/>
+              <a:cs typeface="+mn-cs"/>
             </a:endParaRPr>
+          </a:p>
+        </p:txBody>
+      </p:sp>
+      <p:pic>
+        <p:nvPicPr>
+          <p:cNvPr id="3" name="그림 2">
+            <a:extLst>
+              <a:ext uri="{FF2B5EF4-FFF2-40B4-BE49-F238E27FC236}">
+                <a16:creationId xmlns:a16="http://schemas.microsoft.com/office/drawing/2014/main" id="{B28E21CB-C8A1-4CAF-9592-DF5B9164442D}"/>
+              </a:ext>
+            </a:extLst>
+          </p:cNvPr>
+          <p:cNvPicPr>
+            <a:picLocks noChangeAspect="1"/>
+          </p:cNvPicPr>
+          <p:nvPr/>
+        </p:nvPicPr>
+        <p:blipFill>
+          <a:blip r:embed="rId3">
+            <a:extLst>
+              <a:ext uri="{28A0092B-C50C-407E-A947-70E740481C1C}">
+                <a14:useLocalDpi xmlns:a14="http://schemas.microsoft.com/office/drawing/2010/main" val="0"/>
+              </a:ext>
+            </a:extLst>
+          </a:blip>
+          <a:stretch>
+            <a:fillRect/>
+          </a:stretch>
+        </p:blipFill>
+        <p:spPr>
+          <a:xfrm>
+            <a:off x="5509976" y="0"/>
+            <a:ext cx="6690829" cy="6840538"/>
+          </a:xfrm>
+          <a:prstGeom prst="rect">
+            <a:avLst/>
+          </a:prstGeom>
+        </p:spPr>
+      </p:pic>
+      <p:sp>
+        <p:nvSpPr>
+          <p:cNvPr id="4" name="TextBox 3">
+            <a:extLst>
+              <a:ext uri="{FF2B5EF4-FFF2-40B4-BE49-F238E27FC236}">
+                <a16:creationId xmlns:a16="http://schemas.microsoft.com/office/drawing/2014/main" id="{CA2685AD-645E-46B4-A56D-609A7F21A7F6}"/>
+              </a:ext>
+            </a:extLst>
+          </p:cNvPr>
+          <p:cNvSpPr txBox="1"/>
+          <p:nvPr/>
+        </p:nvSpPr>
+        <p:spPr>
+          <a:xfrm>
+            <a:off x="8839421" y="395933"/>
+            <a:ext cx="3240360" cy="3456384"/>
+          </a:xfrm>
+          <a:prstGeom prst="rect">
+            <a:avLst/>
+          </a:prstGeom>
+          <a:noFill/>
+          <a:ln w="38100">
+            <a:solidFill>
+              <a:srgbClr val="FF0000"/>
+            </a:solidFill>
+          </a:ln>
+        </p:spPr>
+        <p:txBody>
+          <a:bodyPr wrap="square" rtlCol="0">
+            <a:spAutoFit/>
+          </a:bodyPr>
+          <a:lstStyle/>
+          <a:p>
+            <a:pPr marL="0" marR="0" lvl="0" indent="0" algn="l" defTabSz="1107796" rtl="0" eaLnBrk="1" fontAlgn="auto" latinLnBrk="1" hangingPunct="1">
+              <a:lnSpc>
+                <a:spcPct val="100000"/>
+              </a:lnSpc>
+              <a:spcBef>
+                <a:spcPts val="0"/>
+              </a:spcBef>
+              <a:spcAft>
+                <a:spcPts val="0"/>
+              </a:spcAft>
+              <a:buClrTx/>
+              <a:buSzTx/>
+              <a:buFontTx/>
+              <a:buNone/>
+              <a:tabLst/>
+              <a:defRPr/>
+            </a:pPr>
+            <a:endParaRPr kumimoji="0" lang="ko-KR" altLang="en-US" sz="2200" b="0" i="0" u="none" strike="noStrike" kern="1200" cap="none" spc="0" normalizeH="0" baseline="0" noProof="0" dirty="0">
+              <a:ln>
+                <a:noFill/>
+              </a:ln>
+              <a:solidFill>
+                <a:prstClr val="black"/>
+              </a:solidFill>
+              <a:effectLst/>
+              <a:uLnTx/>
+              <a:uFillTx/>
+              <a:latin typeface="맑은 고딕"/>
+              <a:ea typeface="맑은 고딕" panose="020B0503020000020004" pitchFamily="50" charset="-127"/>
+              <a:cs typeface="+mn-cs"/>
+            </a:endParaRPr>
+          </a:p>
+        </p:txBody>
+      </p:sp>
+      <p:sp>
+        <p:nvSpPr>
+          <p:cNvPr id="2" name="TextBox 1">
+            <a:extLst>
+              <a:ext uri="{FF2B5EF4-FFF2-40B4-BE49-F238E27FC236}">
+                <a16:creationId xmlns:a16="http://schemas.microsoft.com/office/drawing/2014/main" id="{DFBBB71B-7ED5-452D-8227-709D161A0F80}"/>
+              </a:ext>
+            </a:extLst>
+          </p:cNvPr>
+          <p:cNvSpPr txBox="1"/>
+          <p:nvPr/>
+        </p:nvSpPr>
+        <p:spPr>
+          <a:xfrm>
+            <a:off x="5576069" y="3852317"/>
+            <a:ext cx="3142328" cy="2708434"/>
+          </a:xfrm>
+          <a:prstGeom prst="rect">
+            <a:avLst/>
+          </a:prstGeom>
+          <a:noFill/>
+          <a:ln w="38100">
+            <a:solidFill>
+              <a:srgbClr val="FF0000"/>
+            </a:solidFill>
+          </a:ln>
+        </p:spPr>
+        <p:txBody>
+          <a:bodyPr wrap="square" rtlCol="0">
+            <a:spAutoFit/>
+          </a:bodyPr>
+          <a:lstStyle/>
+          <a:p>
+            <a:endParaRPr lang="ko-KR" altLang="en-US" dirty="0"/>
           </a:p>
         </p:txBody>
       </p:sp>
     </p:spTree>
     <p:extLst>
       <p:ext uri="{BB962C8B-B14F-4D97-AF65-F5344CB8AC3E}">
-        <p14:creationId xmlns:p14="http://schemas.microsoft.com/office/powerpoint/2010/main" val="3339102357"/>
+        <p14:creationId xmlns:p14="http://schemas.microsoft.com/office/powerpoint/2010/main" val="21412904"/>
       </p:ext>
     </p:extLst>
   </p:cSld>

--- a/Shared/[FastCampus] 7주차_강의자료_김경원박사.pptx
+++ b/Shared/[FastCampus] 7주차_강의자료_김경원박사.pptx
@@ -5,10 +5,10 @@
     <p:sldMasterId id="2147483648" r:id="rId1"/>
   </p:sldMasterIdLst>
   <p:notesMasterIdLst>
-    <p:notesMasterId r:id="rId40"/>
+    <p:notesMasterId r:id="rId41"/>
   </p:notesMasterIdLst>
   <p:handoutMasterIdLst>
-    <p:handoutMasterId r:id="rId41"/>
+    <p:handoutMasterId r:id="rId42"/>
   </p:handoutMasterIdLst>
   <p:sldIdLst>
     <p:sldId id="1063" r:id="rId2"/>
@@ -33,30 +33,31 @@
     <p:sldId id="1224" r:id="rId21"/>
     <p:sldId id="1223" r:id="rId22"/>
     <p:sldId id="1204" r:id="rId23"/>
-    <p:sldId id="1208" r:id="rId24"/>
-    <p:sldId id="1205" r:id="rId25"/>
-    <p:sldId id="1206" r:id="rId26"/>
-    <p:sldId id="1207" r:id="rId27"/>
-    <p:sldId id="1209" r:id="rId28"/>
-    <p:sldId id="1225" r:id="rId29"/>
-    <p:sldId id="1226" r:id="rId30"/>
-    <p:sldId id="1227" r:id="rId31"/>
-    <p:sldId id="1228" r:id="rId32"/>
-    <p:sldId id="1210" r:id="rId33"/>
-    <p:sldId id="1211" r:id="rId34"/>
-    <p:sldId id="1216" r:id="rId35"/>
-    <p:sldId id="1212" r:id="rId36"/>
-    <p:sldId id="1213" r:id="rId37"/>
-    <p:sldId id="1229" r:id="rId38"/>
-    <p:sldId id="1062" r:id="rId39"/>
+    <p:sldId id="1231" r:id="rId24"/>
+    <p:sldId id="1208" r:id="rId25"/>
+    <p:sldId id="1205" r:id="rId26"/>
+    <p:sldId id="1206" r:id="rId27"/>
+    <p:sldId id="1207" r:id="rId28"/>
+    <p:sldId id="1209" r:id="rId29"/>
+    <p:sldId id="1225" r:id="rId30"/>
+    <p:sldId id="1226" r:id="rId31"/>
+    <p:sldId id="1227" r:id="rId32"/>
+    <p:sldId id="1228" r:id="rId33"/>
+    <p:sldId id="1210" r:id="rId34"/>
+    <p:sldId id="1211" r:id="rId35"/>
+    <p:sldId id="1216" r:id="rId36"/>
+    <p:sldId id="1212" r:id="rId37"/>
+    <p:sldId id="1213" r:id="rId38"/>
+    <p:sldId id="1229" r:id="rId39"/>
+    <p:sldId id="1062" r:id="rId40"/>
   </p:sldIdLst>
   <p:sldSz cx="12160250" cy="6840538"/>
   <p:notesSz cx="9874250" cy="6797675"/>
   <p:embeddedFontLst>
     <p:embeddedFont>
       <p:font typeface="맑은 고딕" panose="020B0503020000020004" pitchFamily="50" charset="-127"/>
-      <p:regular r:id="rId42"/>
-      <p:bold r:id="rId43"/>
+      <p:regular r:id="rId43"/>
+      <p:bold r:id="rId44"/>
     </p:embeddedFont>
   </p:embeddedFontLst>
   <p:defaultTextStyle>
@@ -269,7 +270,7 @@
           <a:p>
             <a:fld id="{FC718EE8-BF93-4A17-BED5-FC99EECA5FC7}" type="datetimeFigureOut">
               <a:rPr lang="ko-KR" altLang="en-US" smtClean="0"/>
-              <a:t>2019-08-04</a:t>
+              <a:t>2020-01-04</a:t>
             </a:fld>
             <a:endParaRPr lang="ko-KR" altLang="en-US"/>
           </a:p>
@@ -434,7 +435,7 @@
           <a:p>
             <a:fld id="{6101F873-BA02-446B-9127-C4DE4310B943}" type="datetimeFigureOut">
               <a:rPr lang="ko-KR" altLang="en-US" smtClean="0"/>
-              <a:t>2019-08-04</a:t>
+              <a:t>2020-01-04</a:t>
             </a:fld>
             <a:endParaRPr lang="ko-KR" altLang="en-US"/>
           </a:p>
@@ -1024,7 +1025,7 @@
           <a:p>
             <a:fld id="{89B5E594-86C5-4F1D-8812-38DF40064943}" type="datetime1">
               <a:rPr lang="ko-KR" altLang="en-US" smtClean="0"/>
-              <a:t>2019-08-04</a:t>
+              <a:t>2020-01-04</a:t>
             </a:fld>
             <a:endParaRPr lang="ko-KR" altLang="en-US"/>
           </a:p>
@@ -1232,7 +1233,7 @@
           <a:p>
             <a:fld id="{05C0B17C-522D-4CD8-8139-01EDEBAB2AF6}" type="datetime1">
               <a:rPr lang="ko-KR" altLang="en-US" smtClean="0"/>
-              <a:t>2019-08-04</a:t>
+              <a:t>2020-01-04</a:t>
             </a:fld>
             <a:endParaRPr lang="ko-KR" altLang="en-US"/>
           </a:p>
@@ -1410,7 +1411,7 @@
           <a:p>
             <a:fld id="{7345261C-38F3-40E7-AAA6-CE27B727AA65}" type="datetime1">
               <a:rPr lang="ko-KR" altLang="en-US" smtClean="0"/>
-              <a:t>2019-08-04</a:t>
+              <a:t>2020-01-04</a:t>
             </a:fld>
             <a:endParaRPr lang="ko-KR" altLang="en-US"/>
           </a:p>
@@ -1578,7 +1579,7 @@
           <a:p>
             <a:fld id="{A8472951-AD8C-47B8-8787-30E2F4BFA1EA}" type="datetime1">
               <a:rPr lang="ko-KR" altLang="en-US" smtClean="0"/>
-              <a:t>2019-08-04</a:t>
+              <a:t>2020-01-04</a:t>
             </a:fld>
             <a:endParaRPr lang="ko-KR" altLang="en-US"/>
           </a:p>
@@ -1833,7 +1834,7 @@
           <a:p>
             <a:fld id="{8BCB1BBF-13D1-46E6-8B8B-C9F26A0BAD91}" type="datetime1">
               <a:rPr lang="ko-KR" altLang="en-US" smtClean="0"/>
-              <a:t>2019-08-04</a:t>
+              <a:t>2020-01-04</a:t>
             </a:fld>
             <a:endParaRPr lang="ko-KR" altLang="en-US"/>
           </a:p>
@@ -2118,7 +2119,7 @@
           <a:p>
             <a:fld id="{B16FDC3D-FD6A-49DF-B101-11717D57279F}" type="datetime1">
               <a:rPr lang="ko-KR" altLang="en-US" smtClean="0"/>
-              <a:t>2019-08-04</a:t>
+              <a:t>2020-01-04</a:t>
             </a:fld>
             <a:endParaRPr lang="ko-KR" altLang="en-US"/>
           </a:p>
@@ -2537,7 +2538,7 @@
           <a:p>
             <a:fld id="{42D411A2-FD90-4A19-98A8-25197A66BC26}" type="datetime1">
               <a:rPr lang="ko-KR" altLang="en-US" smtClean="0"/>
-              <a:t>2019-08-04</a:t>
+              <a:t>2020-01-04</a:t>
             </a:fld>
             <a:endParaRPr lang="ko-KR" altLang="en-US"/>
           </a:p>
@@ -2654,7 +2655,7 @@
           <a:p>
             <a:fld id="{F6E6B532-6471-449A-9A2F-4428556C2F98}" type="datetime1">
               <a:rPr lang="ko-KR" altLang="en-US" smtClean="0"/>
-              <a:t>2019-08-04</a:t>
+              <a:t>2020-01-04</a:t>
             </a:fld>
             <a:endParaRPr lang="ko-KR" altLang="en-US"/>
           </a:p>
@@ -2749,7 +2750,7 @@
           <a:p>
             <a:fld id="{45A9E13B-856D-4562-A86D-A2B6F7BF810F}" type="datetime1">
               <a:rPr lang="ko-KR" altLang="en-US" smtClean="0"/>
-              <a:t>2019-08-04</a:t>
+              <a:t>2020-01-04</a:t>
             </a:fld>
             <a:endParaRPr lang="ko-KR" altLang="en-US"/>
           </a:p>
@@ -3024,7 +3025,7 @@
           <a:p>
             <a:fld id="{A672FB3A-7E9E-4380-9381-6FCA87FBB41A}" type="datetime1">
               <a:rPr lang="ko-KR" altLang="en-US" smtClean="0"/>
-              <a:t>2019-08-04</a:t>
+              <a:t>2020-01-04</a:t>
             </a:fld>
             <a:endParaRPr lang="ko-KR" altLang="en-US"/>
           </a:p>
@@ -3276,7 +3277,7 @@
           <a:p>
             <a:fld id="{3948CCBA-1514-4E9E-888A-807450F810B0}" type="datetime1">
               <a:rPr lang="ko-KR" altLang="en-US" smtClean="0"/>
-              <a:t>2019-08-04</a:t>
+              <a:t>2020-01-04</a:t>
             </a:fld>
             <a:endParaRPr lang="ko-KR" altLang="en-US"/>
           </a:p>
@@ -3489,7 +3490,7 @@
           <a:p>
             <a:fld id="{170EDEE7-370E-499F-B978-ABF387098974}" type="datetime1">
               <a:rPr lang="ko-KR" altLang="en-US" smtClean="0"/>
-              <a:t>2019-08-04</a:t>
+              <a:t>2020-01-04</a:t>
             </a:fld>
             <a:endParaRPr lang="ko-KR" altLang="en-US" dirty="0"/>
           </a:p>
@@ -5211,10 +5212,10 @@
       </p:sp>
       <p:pic>
         <p:nvPicPr>
-          <p:cNvPr id="2" name="그림 1">
+          <p:cNvPr id="4" name="그림 3">
             <a:extLst>
               <a:ext uri="{FF2B5EF4-FFF2-40B4-BE49-F238E27FC236}">
-                <a16:creationId xmlns:a16="http://schemas.microsoft.com/office/drawing/2014/main" id="{E4F9E486-DBE1-4D8B-9243-A220F591C24B}"/>
+                <a16:creationId xmlns:a16="http://schemas.microsoft.com/office/drawing/2014/main" id="{7B9FF46D-0DA2-4637-99A1-1229223CEFC6}"/>
               </a:ext>
             </a:extLst>
           </p:cNvPr>
@@ -5231,8 +5232,8 @@
         </p:blipFill>
         <p:spPr>
           <a:xfrm>
-            <a:off x="3092450" y="191294"/>
-            <a:ext cx="9067800" cy="6457950"/>
+            <a:off x="3082671" y="172244"/>
+            <a:ext cx="8915400" cy="6496050"/>
           </a:xfrm>
           <a:prstGeom prst="rect">
             <a:avLst/>
@@ -5549,10 +5550,10 @@
       </p:sp>
       <p:pic>
         <p:nvPicPr>
-          <p:cNvPr id="2" name="그림 1">
+          <p:cNvPr id="4" name="그림 3">
             <a:extLst>
               <a:ext uri="{FF2B5EF4-FFF2-40B4-BE49-F238E27FC236}">
-                <a16:creationId xmlns:a16="http://schemas.microsoft.com/office/drawing/2014/main" id="{D32DEEBB-F79B-417E-B8F4-2575B8C1947E}"/>
+                <a16:creationId xmlns:a16="http://schemas.microsoft.com/office/drawing/2014/main" id="{828D62DA-4B6B-4483-906A-4E886DF86727}"/>
               </a:ext>
             </a:extLst>
           </p:cNvPr>
@@ -5569,8 +5570,8 @@
         </p:blipFill>
         <p:spPr>
           <a:xfrm>
-            <a:off x="3631853" y="1044005"/>
-            <a:ext cx="7458075" cy="5172075"/>
+            <a:off x="3847877" y="886619"/>
+            <a:ext cx="7505700" cy="5067300"/>
           </a:xfrm>
           <a:prstGeom prst="rect">
             <a:avLst/>
@@ -6380,10 +6381,10 @@
       </p:sp>
       <p:pic>
         <p:nvPicPr>
-          <p:cNvPr id="4" name="그림 3">
+          <p:cNvPr id="2" name="그림 1">
             <a:extLst>
               <a:ext uri="{FF2B5EF4-FFF2-40B4-BE49-F238E27FC236}">
-                <a16:creationId xmlns:a16="http://schemas.microsoft.com/office/drawing/2014/main" id="{D8ED0F2A-7177-40F8-B8B7-A80916DF1AC4}"/>
+                <a16:creationId xmlns:a16="http://schemas.microsoft.com/office/drawing/2014/main" id="{67A6B2D2-68A2-42B2-866E-D57F05A895B6}"/>
               </a:ext>
             </a:extLst>
           </p:cNvPr>
@@ -6400,8 +6401,8 @@
         </p:blipFill>
         <p:spPr>
           <a:xfrm>
-            <a:off x="1955800" y="1545668"/>
-            <a:ext cx="8248650" cy="5191125"/>
+            <a:off x="1889125" y="1860637"/>
+            <a:ext cx="8382000" cy="4343400"/>
           </a:xfrm>
           <a:prstGeom prst="rect">
             <a:avLst/>
@@ -6668,10 +6669,10 @@
       </p:sp>
       <p:pic>
         <p:nvPicPr>
-          <p:cNvPr id="2" name="그림 1">
+          <p:cNvPr id="4" name="그림 3">
             <a:extLst>
               <a:ext uri="{FF2B5EF4-FFF2-40B4-BE49-F238E27FC236}">
-                <a16:creationId xmlns:a16="http://schemas.microsoft.com/office/drawing/2014/main" id="{5CC46832-AFB1-4799-BCD3-24C42AFB71CD}"/>
+                <a16:creationId xmlns:a16="http://schemas.microsoft.com/office/drawing/2014/main" id="{BCC50408-961B-4F36-A0B8-5E511BEFEAC1}"/>
               </a:ext>
             </a:extLst>
           </p:cNvPr>
@@ -6688,8 +6689,8 @@
         </p:blipFill>
         <p:spPr>
           <a:xfrm>
-            <a:off x="1627187" y="2124125"/>
-            <a:ext cx="8905875" cy="3448050"/>
+            <a:off x="1922462" y="1965774"/>
+            <a:ext cx="8315325" cy="3990975"/>
           </a:xfrm>
           <a:prstGeom prst="rect">
             <a:avLst/>
@@ -6815,7 +6816,7 @@
           <p:cNvPr id="2" name="그림 1">
             <a:extLst>
               <a:ext uri="{FF2B5EF4-FFF2-40B4-BE49-F238E27FC236}">
-                <a16:creationId xmlns:a16="http://schemas.microsoft.com/office/drawing/2014/main" id="{87D39FCD-94C8-4B24-80A3-3CC63A7774DD}"/>
+                <a16:creationId xmlns:a16="http://schemas.microsoft.com/office/drawing/2014/main" id="{C1B67AC1-2FA1-4363-85E8-514C9B336657}"/>
               </a:ext>
             </a:extLst>
           </p:cNvPr>
@@ -6832,8 +6833,8 @@
         </p:blipFill>
         <p:spPr>
           <a:xfrm>
-            <a:off x="1893887" y="1692077"/>
-            <a:ext cx="8372475" cy="4733925"/>
+            <a:off x="1360487" y="2052117"/>
+            <a:ext cx="9439275" cy="3600450"/>
           </a:xfrm>
           <a:prstGeom prst="rect">
             <a:avLst/>
@@ -6843,7 +6844,7 @@
     </p:spTree>
     <p:extLst>
       <p:ext uri="{BB962C8B-B14F-4D97-AF65-F5344CB8AC3E}">
-        <p14:creationId xmlns:p14="http://schemas.microsoft.com/office/powerpoint/2010/main" val="4031268737"/>
+        <p14:creationId xmlns:p14="http://schemas.microsoft.com/office/powerpoint/2010/main" val="2312771449"/>
       </p:ext>
     </p:extLst>
   </p:cSld>
@@ -6959,7 +6960,7 @@
           <p:cNvPr id="2" name="그림 1">
             <a:extLst>
               <a:ext uri="{FF2B5EF4-FFF2-40B4-BE49-F238E27FC236}">
-                <a16:creationId xmlns:a16="http://schemas.microsoft.com/office/drawing/2014/main" id="{052BAC70-1FB4-456A-8C07-D186B27780D7}"/>
+                <a16:creationId xmlns:a16="http://schemas.microsoft.com/office/drawing/2014/main" id="{87D39FCD-94C8-4B24-80A3-3CC63A7774DD}"/>
               </a:ext>
             </a:extLst>
           </p:cNvPr>
@@ -6976,8 +6977,8 @@
         </p:blipFill>
         <p:spPr>
           <a:xfrm>
-            <a:off x="1722437" y="1935626"/>
-            <a:ext cx="8715375" cy="4352925"/>
+            <a:off x="1893887" y="1692077"/>
+            <a:ext cx="8372475" cy="4733925"/>
           </a:xfrm>
           <a:prstGeom prst="rect">
             <a:avLst/>
@@ -6987,7 +6988,7 @@
     </p:spTree>
     <p:extLst>
       <p:ext uri="{BB962C8B-B14F-4D97-AF65-F5344CB8AC3E}">
-        <p14:creationId xmlns:p14="http://schemas.microsoft.com/office/powerpoint/2010/main" val="330327131"/>
+        <p14:creationId xmlns:p14="http://schemas.microsoft.com/office/powerpoint/2010/main" val="4031268737"/>
       </p:ext>
     </p:extLst>
   </p:cSld>
@@ -7100,10 +7101,10 @@
       </p:sp>
       <p:pic>
         <p:nvPicPr>
-          <p:cNvPr id="4" name="그림 3">
+          <p:cNvPr id="2" name="그림 1">
             <a:extLst>
               <a:ext uri="{FF2B5EF4-FFF2-40B4-BE49-F238E27FC236}">
-                <a16:creationId xmlns:a16="http://schemas.microsoft.com/office/drawing/2014/main" id="{3C90F62D-AA9E-4425-92BA-798591DD6729}"/>
+                <a16:creationId xmlns:a16="http://schemas.microsoft.com/office/drawing/2014/main" id="{052BAC70-1FB4-456A-8C07-D186B27780D7}"/>
               </a:ext>
             </a:extLst>
           </p:cNvPr>
@@ -7120,8 +7121,8 @@
         </p:blipFill>
         <p:spPr>
           <a:xfrm>
-            <a:off x="2022475" y="1922964"/>
-            <a:ext cx="8115300" cy="4391025"/>
+            <a:off x="1722437" y="1935626"/>
+            <a:ext cx="8715375" cy="4352925"/>
           </a:xfrm>
           <a:prstGeom prst="rect">
             <a:avLst/>
@@ -7131,7 +7132,7 @@
     </p:spTree>
     <p:extLst>
       <p:ext uri="{BB962C8B-B14F-4D97-AF65-F5344CB8AC3E}">
-        <p14:creationId xmlns:p14="http://schemas.microsoft.com/office/powerpoint/2010/main" val="2495167973"/>
+        <p14:creationId xmlns:p14="http://schemas.microsoft.com/office/powerpoint/2010/main" val="330327131"/>
       </p:ext>
     </p:extLst>
   </p:cSld>
@@ -7244,10 +7245,10 @@
       </p:sp>
       <p:pic>
         <p:nvPicPr>
-          <p:cNvPr id="2" name="그림 1">
+          <p:cNvPr id="4" name="그림 3">
             <a:extLst>
               <a:ext uri="{FF2B5EF4-FFF2-40B4-BE49-F238E27FC236}">
-                <a16:creationId xmlns:a16="http://schemas.microsoft.com/office/drawing/2014/main" id="{AA295CA9-2E58-47A3-8568-74F5B573365E}"/>
+                <a16:creationId xmlns:a16="http://schemas.microsoft.com/office/drawing/2014/main" id="{3C90F62D-AA9E-4425-92BA-798591DD6729}"/>
               </a:ext>
             </a:extLst>
           </p:cNvPr>
@@ -7264,8 +7265,8 @@
         </p:blipFill>
         <p:spPr>
           <a:xfrm>
-            <a:off x="2265362" y="1544545"/>
-            <a:ext cx="7629525" cy="5010150"/>
+            <a:off x="2022475" y="1922964"/>
+            <a:ext cx="8115300" cy="4391025"/>
           </a:xfrm>
           <a:prstGeom prst="rect">
             <a:avLst/>
@@ -7275,7 +7276,7 @@
     </p:spTree>
     <p:extLst>
       <p:ext uri="{BB962C8B-B14F-4D97-AF65-F5344CB8AC3E}">
-        <p14:creationId xmlns:p14="http://schemas.microsoft.com/office/powerpoint/2010/main" val="1765806923"/>
+        <p14:creationId xmlns:p14="http://schemas.microsoft.com/office/powerpoint/2010/main" val="2495167973"/>
       </p:ext>
     </p:extLst>
   </p:cSld>
@@ -7320,7 +7321,7 @@
         </p:spPr>
         <p:txBody>
           <a:bodyPr>
-            <a:normAutofit fontScale="90000"/>
+            <a:normAutofit/>
           </a:bodyPr>
           <a:lstStyle/>
           <a:p>
@@ -7349,32 +7350,7 @@
                 <a:latin typeface="Noto Sans CJK KR Black" pitchFamily="34" charset="-127"/>
                 <a:ea typeface="Noto Sans CJK KR Black" pitchFamily="34" charset="-127"/>
               </a:rPr>
-              <a:t>시계열</a:t>
-            </a:r>
-            <a:br>
-              <a:rPr lang="en-US" altLang="ko-KR" sz="4400" dirty="0">
-                <a:solidFill>
-                  <a:schemeClr val="tx1">
-                    <a:lumMod val="75000"/>
-                    <a:lumOff val="25000"/>
-                  </a:schemeClr>
-                </a:solidFill>
-                <a:latin typeface="Noto Sans CJK KR Black" pitchFamily="34" charset="-127"/>
-                <a:ea typeface="Noto Sans CJK KR Black" pitchFamily="34" charset="-127"/>
-              </a:rPr>
-            </a:br>
-            <a:r>
-              <a:rPr lang="ko-KR" altLang="en-US" sz="4400" dirty="0">
-                <a:solidFill>
-                  <a:schemeClr val="tx1">
-                    <a:lumMod val="75000"/>
-                    <a:lumOff val="25000"/>
-                  </a:schemeClr>
-                </a:solidFill>
-                <a:latin typeface="Noto Sans CJK KR Black" pitchFamily="34" charset="-127"/>
-                <a:ea typeface="Noto Sans CJK KR Black" pitchFamily="34" charset="-127"/>
-              </a:rPr>
-              <a:t> 알고리즘</a:t>
+              <a:t>시계열 알고리즘</a:t>
             </a:r>
             <a:endParaRPr lang="ko-KR" altLang="en-US" sz="4400" dirty="0">
               <a:solidFill>
@@ -7416,7 +7392,7 @@
           <p:cNvPr id="2" name="그림 1">
             <a:extLst>
               <a:ext uri="{FF2B5EF4-FFF2-40B4-BE49-F238E27FC236}">
-                <a16:creationId xmlns:a16="http://schemas.microsoft.com/office/drawing/2014/main" id="{03484797-8DD9-40EE-A361-8007536FD597}"/>
+                <a16:creationId xmlns:a16="http://schemas.microsoft.com/office/drawing/2014/main" id="{AA295CA9-2E58-47A3-8568-74F5B573365E}"/>
               </a:ext>
             </a:extLst>
           </p:cNvPr>
@@ -7433,8 +7409,8 @@
         </p:blipFill>
         <p:spPr>
           <a:xfrm>
-            <a:off x="3489661" y="250268"/>
-            <a:ext cx="8086725" cy="6486525"/>
+            <a:off x="2265362" y="1544545"/>
+            <a:ext cx="7629525" cy="5010150"/>
           </a:xfrm>
           <a:prstGeom prst="rect">
             <a:avLst/>
@@ -7444,7 +7420,7 @@
     </p:spTree>
     <p:extLst>
       <p:ext uri="{BB962C8B-B14F-4D97-AF65-F5344CB8AC3E}">
-        <p14:creationId xmlns:p14="http://schemas.microsoft.com/office/powerpoint/2010/main" val="289151988"/>
+        <p14:creationId xmlns:p14="http://schemas.microsoft.com/office/powerpoint/2010/main" val="1765806923"/>
       </p:ext>
     </p:extLst>
   </p:cSld>
@@ -7582,10 +7558,10 @@
       </p:sp>
       <p:pic>
         <p:nvPicPr>
-          <p:cNvPr id="4" name="그림 3">
+          <p:cNvPr id="2" name="그림 1">
             <a:extLst>
               <a:ext uri="{FF2B5EF4-FFF2-40B4-BE49-F238E27FC236}">
-                <a16:creationId xmlns:a16="http://schemas.microsoft.com/office/drawing/2014/main" id="{F0FE7305-0A94-42C9-B84B-D96AA1807E91}"/>
+                <a16:creationId xmlns:a16="http://schemas.microsoft.com/office/drawing/2014/main" id="{03484797-8DD9-40EE-A361-8007536FD597}"/>
               </a:ext>
             </a:extLst>
           </p:cNvPr>
@@ -7602,8 +7578,8 @@
         </p:blipFill>
         <p:spPr>
           <a:xfrm>
-            <a:off x="3127797" y="710406"/>
-            <a:ext cx="8191500" cy="5419725"/>
+            <a:off x="3489661" y="250268"/>
+            <a:ext cx="8086725" cy="6486525"/>
           </a:xfrm>
           <a:prstGeom prst="rect">
             <a:avLst/>
@@ -7613,7 +7589,7 @@
     </p:spTree>
     <p:extLst>
       <p:ext uri="{BB962C8B-B14F-4D97-AF65-F5344CB8AC3E}">
-        <p14:creationId xmlns:p14="http://schemas.microsoft.com/office/powerpoint/2010/main" val="1275345114"/>
+        <p14:creationId xmlns:p14="http://schemas.microsoft.com/office/powerpoint/2010/main" val="289151988"/>
       </p:ext>
     </p:extLst>
   </p:cSld>
@@ -7751,10 +7727,10 @@
       </p:sp>
       <p:pic>
         <p:nvPicPr>
-          <p:cNvPr id="2" name="그림 1">
+          <p:cNvPr id="4" name="그림 3">
             <a:extLst>
               <a:ext uri="{FF2B5EF4-FFF2-40B4-BE49-F238E27FC236}">
-                <a16:creationId xmlns:a16="http://schemas.microsoft.com/office/drawing/2014/main" id="{1971BE0D-5480-4A84-BC53-E2D085F0E338}"/>
+                <a16:creationId xmlns:a16="http://schemas.microsoft.com/office/drawing/2014/main" id="{F0FE7305-0A94-42C9-B84B-D96AA1807E91}"/>
               </a:ext>
             </a:extLst>
           </p:cNvPr>
@@ -7771,8 +7747,8 @@
         </p:blipFill>
         <p:spPr>
           <a:xfrm>
-            <a:off x="3415829" y="691356"/>
-            <a:ext cx="7972425" cy="5457825"/>
+            <a:off x="3127797" y="710406"/>
+            <a:ext cx="8191500" cy="5419725"/>
           </a:xfrm>
           <a:prstGeom prst="rect">
             <a:avLst/>
@@ -7782,7 +7758,7 @@
     </p:spTree>
     <p:extLst>
       <p:ext uri="{BB962C8B-B14F-4D97-AF65-F5344CB8AC3E}">
-        <p14:creationId xmlns:p14="http://schemas.microsoft.com/office/powerpoint/2010/main" val="232908003"/>
+        <p14:creationId xmlns:p14="http://schemas.microsoft.com/office/powerpoint/2010/main" val="1275345114"/>
       </p:ext>
     </p:extLst>
   </p:cSld>
@@ -8007,7 +7983,7 @@
           <p:cNvPr id="2" name="그림 1">
             <a:extLst>
               <a:ext uri="{FF2B5EF4-FFF2-40B4-BE49-F238E27FC236}">
-                <a16:creationId xmlns:a16="http://schemas.microsoft.com/office/drawing/2014/main" id="{5C1FF3F2-7BA7-4375-A261-2179837E2730}"/>
+                <a16:creationId xmlns:a16="http://schemas.microsoft.com/office/drawing/2014/main" id="{1971BE0D-5480-4A84-BC53-E2D085F0E338}"/>
               </a:ext>
             </a:extLst>
           </p:cNvPr>
@@ -8024,8 +8000,8 @@
         </p:blipFill>
         <p:spPr>
           <a:xfrm>
-            <a:off x="3608384" y="738249"/>
-            <a:ext cx="7943850" cy="5467350"/>
+            <a:off x="3415829" y="691356"/>
+            <a:ext cx="7972425" cy="5457825"/>
           </a:xfrm>
           <a:prstGeom prst="rect">
             <a:avLst/>
@@ -8035,7 +8011,7 @@
     </p:spTree>
     <p:extLst>
       <p:ext uri="{BB962C8B-B14F-4D97-AF65-F5344CB8AC3E}">
-        <p14:creationId xmlns:p14="http://schemas.microsoft.com/office/powerpoint/2010/main" val="475516823"/>
+        <p14:creationId xmlns:p14="http://schemas.microsoft.com/office/powerpoint/2010/main" val="232908003"/>
       </p:ext>
     </p:extLst>
   </p:cSld>
@@ -8173,10 +8149,10 @@
       </p:sp>
       <p:pic>
         <p:nvPicPr>
-          <p:cNvPr id="4" name="그림 3">
+          <p:cNvPr id="2" name="그림 1">
             <a:extLst>
               <a:ext uri="{FF2B5EF4-FFF2-40B4-BE49-F238E27FC236}">
-                <a16:creationId xmlns:a16="http://schemas.microsoft.com/office/drawing/2014/main" id="{143A1FBB-6C8B-4004-960C-68C995FB1A51}"/>
+                <a16:creationId xmlns:a16="http://schemas.microsoft.com/office/drawing/2014/main" id="{5C1FF3F2-7BA7-4375-A261-2179837E2730}"/>
               </a:ext>
             </a:extLst>
           </p:cNvPr>
@@ -8193,8 +8169,8 @@
         </p:blipFill>
         <p:spPr>
           <a:xfrm>
-            <a:off x="3487837" y="1548061"/>
-            <a:ext cx="7943850" cy="3886200"/>
+            <a:off x="3608384" y="738249"/>
+            <a:ext cx="7943850" cy="5467350"/>
           </a:xfrm>
           <a:prstGeom prst="rect">
             <a:avLst/>
@@ -8204,7 +8180,7 @@
     </p:spTree>
     <p:extLst>
       <p:ext uri="{BB962C8B-B14F-4D97-AF65-F5344CB8AC3E}">
-        <p14:creationId xmlns:p14="http://schemas.microsoft.com/office/powerpoint/2010/main" val="678321718"/>
+        <p14:creationId xmlns:p14="http://schemas.microsoft.com/office/powerpoint/2010/main" val="475516823"/>
       </p:ext>
     </p:extLst>
   </p:cSld>
@@ -8249,7 +8225,7 @@
         </p:spPr>
         <p:txBody>
           <a:bodyPr>
-            <a:normAutofit/>
+            <a:normAutofit fontScale="90000"/>
           </a:bodyPr>
           <a:lstStyle/>
           <a:p>
@@ -8278,7 +8254,32 @@
                 <a:latin typeface="Noto Sans CJK KR Black" pitchFamily="34" charset="-127"/>
                 <a:ea typeface="Noto Sans CJK KR Black" pitchFamily="34" charset="-127"/>
               </a:rPr>
-              <a:t>시계열 알고리즘</a:t>
+              <a:t>시계열</a:t>
+            </a:r>
+            <a:br>
+              <a:rPr lang="en-US" altLang="ko-KR" sz="4400" dirty="0">
+                <a:solidFill>
+                  <a:schemeClr val="tx1">
+                    <a:lumMod val="75000"/>
+                    <a:lumOff val="25000"/>
+                  </a:schemeClr>
+                </a:solidFill>
+                <a:latin typeface="Noto Sans CJK KR Black" pitchFamily="34" charset="-127"/>
+                <a:ea typeface="Noto Sans CJK KR Black" pitchFamily="34" charset="-127"/>
+              </a:rPr>
+            </a:br>
+            <a:r>
+              <a:rPr lang="ko-KR" altLang="en-US" sz="4400" dirty="0">
+                <a:solidFill>
+                  <a:schemeClr val="tx1">
+                    <a:lumMod val="75000"/>
+                    <a:lumOff val="25000"/>
+                  </a:schemeClr>
+                </a:solidFill>
+                <a:latin typeface="Noto Sans CJK KR Black" pitchFamily="34" charset="-127"/>
+                <a:ea typeface="Noto Sans CJK KR Black" pitchFamily="34" charset="-127"/>
+              </a:rPr>
+              <a:t> 알고리즘</a:t>
             </a:r>
             <a:endParaRPr lang="ko-KR" altLang="en-US" sz="4400" dirty="0">
               <a:solidFill>
@@ -8317,10 +8318,10 @@
       </p:sp>
       <p:pic>
         <p:nvPicPr>
-          <p:cNvPr id="2" name="그림 1">
+          <p:cNvPr id="4" name="그림 3">
             <a:extLst>
               <a:ext uri="{FF2B5EF4-FFF2-40B4-BE49-F238E27FC236}">
-                <a16:creationId xmlns:a16="http://schemas.microsoft.com/office/drawing/2014/main" id="{1350564C-93F1-4004-A2A6-27327880CC47}"/>
+                <a16:creationId xmlns:a16="http://schemas.microsoft.com/office/drawing/2014/main" id="{143A1FBB-6C8B-4004-960C-68C995FB1A51}"/>
               </a:ext>
             </a:extLst>
           </p:cNvPr>
@@ -8337,8 +8338,8 @@
         </p:blipFill>
         <p:spPr>
           <a:xfrm>
-            <a:off x="2189162" y="1630270"/>
-            <a:ext cx="7781925" cy="4924425"/>
+            <a:off x="3487837" y="1548061"/>
+            <a:ext cx="7943850" cy="3886200"/>
           </a:xfrm>
           <a:prstGeom prst="rect">
             <a:avLst/>
@@ -8348,7 +8349,7 @@
     </p:spTree>
     <p:extLst>
       <p:ext uri="{BB962C8B-B14F-4D97-AF65-F5344CB8AC3E}">
-        <p14:creationId xmlns:p14="http://schemas.microsoft.com/office/powerpoint/2010/main" val="139457658"/>
+        <p14:creationId xmlns:p14="http://schemas.microsoft.com/office/powerpoint/2010/main" val="678321718"/>
       </p:ext>
     </p:extLst>
   </p:cSld>
@@ -8393,7 +8394,7 @@
         </p:spPr>
         <p:txBody>
           <a:bodyPr>
-            <a:normAutofit fontScale="90000"/>
+            <a:normAutofit/>
           </a:bodyPr>
           <a:lstStyle/>
           <a:p>
@@ -8422,32 +8423,7 @@
                 <a:latin typeface="Noto Sans CJK KR Black" pitchFamily="34" charset="-127"/>
                 <a:ea typeface="Noto Sans CJK KR Black" pitchFamily="34" charset="-127"/>
               </a:rPr>
-              <a:t>시계열 </a:t>
-            </a:r>
-            <a:br>
-              <a:rPr lang="en-US" altLang="ko-KR" sz="4400" dirty="0">
-                <a:solidFill>
-                  <a:schemeClr val="tx1">
-                    <a:lumMod val="75000"/>
-                    <a:lumOff val="25000"/>
-                  </a:schemeClr>
-                </a:solidFill>
-                <a:latin typeface="Noto Sans CJK KR Black" pitchFamily="34" charset="-127"/>
-                <a:ea typeface="Noto Sans CJK KR Black" pitchFamily="34" charset="-127"/>
-              </a:rPr>
-            </a:br>
-            <a:r>
-              <a:rPr lang="ko-KR" altLang="en-US" sz="4400" dirty="0">
-                <a:solidFill>
-                  <a:schemeClr val="tx1">
-                    <a:lumMod val="75000"/>
-                    <a:lumOff val="25000"/>
-                  </a:schemeClr>
-                </a:solidFill>
-                <a:latin typeface="Noto Sans CJK KR Black" pitchFamily="34" charset="-127"/>
-                <a:ea typeface="Noto Sans CJK KR Black" pitchFamily="34" charset="-127"/>
-              </a:rPr>
-              <a:t>알고리즘</a:t>
+              <a:t>시계열 알고리즘</a:t>
             </a:r>
             <a:endParaRPr lang="ko-KR" altLang="en-US" sz="4400" dirty="0">
               <a:solidFill>
@@ -8489,7 +8465,7 @@
           <p:cNvPr id="2" name="그림 1">
             <a:extLst>
               <a:ext uri="{FF2B5EF4-FFF2-40B4-BE49-F238E27FC236}">
-                <a16:creationId xmlns:a16="http://schemas.microsoft.com/office/drawing/2014/main" id="{C5C178BE-06F3-400F-A17E-8C02811F2170}"/>
+                <a16:creationId xmlns:a16="http://schemas.microsoft.com/office/drawing/2014/main" id="{1350564C-93F1-4004-A2A6-27327880CC47}"/>
               </a:ext>
             </a:extLst>
           </p:cNvPr>
@@ -8506,8 +8482,8 @@
         </p:blipFill>
         <p:spPr>
           <a:xfrm>
-            <a:off x="3775869" y="0"/>
-            <a:ext cx="7665284" cy="6840538"/>
+            <a:off x="2189162" y="1630270"/>
+            <a:ext cx="7781925" cy="4924425"/>
           </a:xfrm>
           <a:prstGeom prst="rect">
             <a:avLst/>
@@ -8517,7 +8493,7 @@
     </p:spTree>
     <p:extLst>
       <p:ext uri="{BB962C8B-B14F-4D97-AF65-F5344CB8AC3E}">
-        <p14:creationId xmlns:p14="http://schemas.microsoft.com/office/powerpoint/2010/main" val="3849477025"/>
+        <p14:creationId xmlns:p14="http://schemas.microsoft.com/office/powerpoint/2010/main" val="139457658"/>
       </p:ext>
     </p:extLst>
   </p:cSld>
@@ -8562,7 +8538,7 @@
         </p:spPr>
         <p:txBody>
           <a:bodyPr>
-            <a:normAutofit/>
+            <a:normAutofit fontScale="90000"/>
           </a:bodyPr>
           <a:lstStyle/>
           <a:p>
@@ -8591,7 +8567,32 @@
                 <a:latin typeface="Noto Sans CJK KR Black" pitchFamily="34" charset="-127"/>
                 <a:ea typeface="Noto Sans CJK KR Black" pitchFamily="34" charset="-127"/>
               </a:rPr>
-              <a:t>시계열 알고리즘</a:t>
+              <a:t>시계열 </a:t>
+            </a:r>
+            <a:br>
+              <a:rPr lang="en-US" altLang="ko-KR" sz="4400" dirty="0">
+                <a:solidFill>
+                  <a:schemeClr val="tx1">
+                    <a:lumMod val="75000"/>
+                    <a:lumOff val="25000"/>
+                  </a:schemeClr>
+                </a:solidFill>
+                <a:latin typeface="Noto Sans CJK KR Black" pitchFamily="34" charset="-127"/>
+                <a:ea typeface="Noto Sans CJK KR Black" pitchFamily="34" charset="-127"/>
+              </a:rPr>
+            </a:br>
+            <a:r>
+              <a:rPr lang="ko-KR" altLang="en-US" sz="4400" dirty="0">
+                <a:solidFill>
+                  <a:schemeClr val="tx1">
+                    <a:lumMod val="75000"/>
+                    <a:lumOff val="25000"/>
+                  </a:schemeClr>
+                </a:solidFill>
+                <a:latin typeface="Noto Sans CJK KR Black" pitchFamily="34" charset="-127"/>
+                <a:ea typeface="Noto Sans CJK KR Black" pitchFamily="34" charset="-127"/>
+              </a:rPr>
+              <a:t>알고리즘</a:t>
             </a:r>
             <a:endParaRPr lang="ko-KR" altLang="en-US" sz="4400" dirty="0">
               <a:solidFill>
@@ -8630,10 +8631,10 @@
       </p:sp>
       <p:pic>
         <p:nvPicPr>
-          <p:cNvPr id="2" name="그림 1">
+          <p:cNvPr id="4" name="그림 3">
             <a:extLst>
               <a:ext uri="{FF2B5EF4-FFF2-40B4-BE49-F238E27FC236}">
-                <a16:creationId xmlns:a16="http://schemas.microsoft.com/office/drawing/2014/main" id="{42E031B4-AED5-4F28-B798-755905D6A16C}"/>
+                <a16:creationId xmlns:a16="http://schemas.microsoft.com/office/drawing/2014/main" id="{D099A6EB-AD31-484A-BB52-98EB0BDBD96B}"/>
               </a:ext>
             </a:extLst>
           </p:cNvPr>
@@ -8650,8 +8651,8 @@
         </p:blipFill>
         <p:spPr>
           <a:xfrm>
-            <a:off x="3017837" y="2415381"/>
-            <a:ext cx="6124575" cy="2009775"/>
+            <a:off x="3559845" y="0"/>
+            <a:ext cx="7417832" cy="6840538"/>
           </a:xfrm>
           <a:prstGeom prst="rect">
             <a:avLst/>
@@ -8661,7 +8662,7 @@
     </p:spTree>
     <p:extLst>
       <p:ext uri="{BB962C8B-B14F-4D97-AF65-F5344CB8AC3E}">
-        <p14:creationId xmlns:p14="http://schemas.microsoft.com/office/powerpoint/2010/main" val="2029480034"/>
+        <p14:creationId xmlns:p14="http://schemas.microsoft.com/office/powerpoint/2010/main" val="3849477025"/>
       </p:ext>
     </p:extLst>
   </p:cSld>
@@ -8706,7 +8707,7 @@
         </p:spPr>
         <p:txBody>
           <a:bodyPr>
-            <a:normAutofit fontScale="90000"/>
+            <a:normAutofit/>
           </a:bodyPr>
           <a:lstStyle/>
           <a:p>
@@ -8735,32 +8736,7 @@
                 <a:latin typeface="Noto Sans CJK KR Black" pitchFamily="34" charset="-127"/>
                 <a:ea typeface="Noto Sans CJK KR Black" pitchFamily="34" charset="-127"/>
               </a:rPr>
-              <a:t>시계열 </a:t>
-            </a:r>
-            <a:br>
-              <a:rPr lang="en-US" altLang="ko-KR" sz="4400" dirty="0">
-                <a:solidFill>
-                  <a:schemeClr val="tx1">
-                    <a:lumMod val="75000"/>
-                    <a:lumOff val="25000"/>
-                  </a:schemeClr>
-                </a:solidFill>
-                <a:latin typeface="Noto Sans CJK KR Black" pitchFamily="34" charset="-127"/>
-                <a:ea typeface="Noto Sans CJK KR Black" pitchFamily="34" charset="-127"/>
-              </a:rPr>
-            </a:br>
-            <a:r>
-              <a:rPr lang="ko-KR" altLang="en-US" sz="4400" dirty="0">
-                <a:solidFill>
-                  <a:schemeClr val="tx1">
-                    <a:lumMod val="75000"/>
-                    <a:lumOff val="25000"/>
-                  </a:schemeClr>
-                </a:solidFill>
-                <a:latin typeface="Noto Sans CJK KR Black" pitchFamily="34" charset="-127"/>
-                <a:ea typeface="Noto Sans CJK KR Black" pitchFamily="34" charset="-127"/>
-              </a:rPr>
-              <a:t>알고리즘</a:t>
+              <a:t>시계열 알고리즘</a:t>
             </a:r>
             <a:endParaRPr lang="ko-KR" altLang="en-US" sz="4400" dirty="0">
               <a:solidFill>
@@ -8802,7 +8778,7 @@
           <p:cNvPr id="2" name="그림 1">
             <a:extLst>
               <a:ext uri="{FF2B5EF4-FFF2-40B4-BE49-F238E27FC236}">
-                <a16:creationId xmlns:a16="http://schemas.microsoft.com/office/drawing/2014/main" id="{C5A13D97-8316-4377-A686-50846B0C9CBB}"/>
+                <a16:creationId xmlns:a16="http://schemas.microsoft.com/office/drawing/2014/main" id="{42E031B4-AED5-4F28-B798-755905D6A16C}"/>
               </a:ext>
             </a:extLst>
           </p:cNvPr>
@@ -8819,8 +8795,8 @@
         </p:blipFill>
         <p:spPr>
           <a:xfrm>
-            <a:off x="3991893" y="0"/>
-            <a:ext cx="7294682" cy="6840538"/>
+            <a:off x="3017837" y="2415381"/>
+            <a:ext cx="6124575" cy="2009775"/>
           </a:xfrm>
           <a:prstGeom prst="rect">
             <a:avLst/>
@@ -8830,7 +8806,7 @@
     </p:spTree>
     <p:extLst>
       <p:ext uri="{BB962C8B-B14F-4D97-AF65-F5344CB8AC3E}">
-        <p14:creationId xmlns:p14="http://schemas.microsoft.com/office/powerpoint/2010/main" val="3878497761"/>
+        <p14:creationId xmlns:p14="http://schemas.microsoft.com/office/powerpoint/2010/main" val="2029480034"/>
       </p:ext>
     </p:extLst>
   </p:cSld>
@@ -8875,7 +8851,7 @@
         </p:spPr>
         <p:txBody>
           <a:bodyPr>
-            <a:normAutofit/>
+            <a:normAutofit fontScale="90000"/>
           </a:bodyPr>
           <a:lstStyle/>
           <a:p>
@@ -8904,7 +8880,32 @@
                 <a:latin typeface="Noto Sans CJK KR Black" pitchFamily="34" charset="-127"/>
                 <a:ea typeface="Noto Sans CJK KR Black" pitchFamily="34" charset="-127"/>
               </a:rPr>
-              <a:t>시계열 알고리즘</a:t>
+              <a:t>시계열 </a:t>
+            </a:r>
+            <a:br>
+              <a:rPr lang="en-US" altLang="ko-KR" sz="4400" dirty="0">
+                <a:solidFill>
+                  <a:schemeClr val="tx1">
+                    <a:lumMod val="75000"/>
+                    <a:lumOff val="25000"/>
+                  </a:schemeClr>
+                </a:solidFill>
+                <a:latin typeface="Noto Sans CJK KR Black" pitchFamily="34" charset="-127"/>
+                <a:ea typeface="Noto Sans CJK KR Black" pitchFamily="34" charset="-127"/>
+              </a:rPr>
+            </a:br>
+            <a:r>
+              <a:rPr lang="ko-KR" altLang="en-US" sz="4400" dirty="0">
+                <a:solidFill>
+                  <a:schemeClr val="tx1">
+                    <a:lumMod val="75000"/>
+                    <a:lumOff val="25000"/>
+                  </a:schemeClr>
+                </a:solidFill>
+                <a:latin typeface="Noto Sans CJK KR Black" pitchFamily="34" charset="-127"/>
+                <a:ea typeface="Noto Sans CJK KR Black" pitchFamily="34" charset="-127"/>
+              </a:rPr>
+              <a:t>알고리즘</a:t>
             </a:r>
             <a:endParaRPr lang="ko-KR" altLang="en-US" sz="4400" dirty="0">
               <a:solidFill>
@@ -8946,7 +8947,7 @@
           <p:cNvPr id="2" name="그림 1">
             <a:extLst>
               <a:ext uri="{FF2B5EF4-FFF2-40B4-BE49-F238E27FC236}">
-                <a16:creationId xmlns:a16="http://schemas.microsoft.com/office/drawing/2014/main" id="{C3A90D5B-BA11-46A9-954E-3DAE3144A55E}"/>
+                <a16:creationId xmlns:a16="http://schemas.microsoft.com/office/drawing/2014/main" id="{C5A13D97-8316-4377-A686-50846B0C9CBB}"/>
               </a:ext>
             </a:extLst>
           </p:cNvPr>
@@ -8963,8 +8964,8 @@
         </p:blipFill>
         <p:spPr>
           <a:xfrm>
-            <a:off x="5373524" y="0"/>
-            <a:ext cx="5205851" cy="6840538"/>
+            <a:off x="3991893" y="0"/>
+            <a:ext cx="7294682" cy="6840538"/>
           </a:xfrm>
           <a:prstGeom prst="rect">
             <a:avLst/>
@@ -8974,7 +8975,7 @@
     </p:spTree>
     <p:extLst>
       <p:ext uri="{BB962C8B-B14F-4D97-AF65-F5344CB8AC3E}">
-        <p14:creationId xmlns:p14="http://schemas.microsoft.com/office/powerpoint/2010/main" val="2604908883"/>
+        <p14:creationId xmlns:p14="http://schemas.microsoft.com/office/powerpoint/2010/main" val="3878497761"/>
       </p:ext>
     </p:extLst>
   </p:cSld>
@@ -9013,6 +9014,150 @@
         </p:nvSpPr>
         <p:spPr>
           <a:xfrm>
+            <a:off x="608016" y="551987"/>
+            <a:ext cx="10944225" cy="1140090"/>
+          </a:xfrm>
+        </p:spPr>
+        <p:txBody>
+          <a:bodyPr>
+            <a:normAutofit/>
+          </a:bodyPr>
+          <a:lstStyle/>
+          <a:p>
+            <a:pPr algn="l"/>
+            <a:r>
+              <a:rPr lang="en-US" altLang="ko-KR" sz="4400" dirty="0">
+                <a:solidFill>
+                  <a:schemeClr val="tx1">
+                    <a:lumMod val="75000"/>
+                    <a:lumOff val="25000"/>
+                  </a:schemeClr>
+                </a:solidFill>
+                <a:latin typeface="Noto Sans CJK KR Black" pitchFamily="34" charset="-127"/>
+                <a:ea typeface="Noto Sans CJK KR Black" pitchFamily="34" charset="-127"/>
+              </a:rPr>
+              <a:t>2. </a:t>
+            </a:r>
+            <a:r>
+              <a:rPr lang="ko-KR" altLang="en-US" sz="4400" dirty="0">
+                <a:solidFill>
+                  <a:schemeClr val="tx1">
+                    <a:lumMod val="75000"/>
+                    <a:lumOff val="25000"/>
+                  </a:schemeClr>
+                </a:solidFill>
+                <a:latin typeface="Noto Sans CJK KR Black" pitchFamily="34" charset="-127"/>
+                <a:ea typeface="Noto Sans CJK KR Black" pitchFamily="34" charset="-127"/>
+              </a:rPr>
+              <a:t>시계열 알고리즘</a:t>
+            </a:r>
+            <a:endParaRPr lang="ko-KR" altLang="en-US" sz="4400" dirty="0">
+              <a:solidFill>
+                <a:schemeClr val="tx1">
+                  <a:lumMod val="75000"/>
+                  <a:lumOff val="25000"/>
+                </a:schemeClr>
+              </a:solidFill>
+            </a:endParaRPr>
+          </a:p>
+        </p:txBody>
+      </p:sp>
+      <p:sp>
+        <p:nvSpPr>
+          <p:cNvPr id="3" name="슬라이드 번호 개체 틀 2"/>
+          <p:cNvSpPr>
+            <a:spLocks noGrp="1"/>
+          </p:cNvSpPr>
+          <p:nvPr>
+            <p:ph type="sldNum" sz="quarter" idx="12"/>
+          </p:nvPr>
+        </p:nvSpPr>
+        <p:spPr/>
+        <p:txBody>
+          <a:bodyPr/>
+          <a:lstStyle/>
+          <a:p>
+            <a:fld id="{6DDAE2C3-1A0B-474A-8CE8-AE55B8D9D4B1}" type="slidenum">
+              <a:rPr lang="ko-KR" altLang="en-US" smtClean="0"/>
+              <a:pPr/>
+              <a:t>37</a:t>
+            </a:fld>
+            <a:endParaRPr lang="ko-KR" altLang="en-US" dirty="0"/>
+          </a:p>
+        </p:txBody>
+      </p:sp>
+      <p:pic>
+        <p:nvPicPr>
+          <p:cNvPr id="2" name="그림 1">
+            <a:extLst>
+              <a:ext uri="{FF2B5EF4-FFF2-40B4-BE49-F238E27FC236}">
+                <a16:creationId xmlns:a16="http://schemas.microsoft.com/office/drawing/2014/main" id="{C3A90D5B-BA11-46A9-954E-3DAE3144A55E}"/>
+              </a:ext>
+            </a:extLst>
+          </p:cNvPr>
+          <p:cNvPicPr>
+            <a:picLocks noChangeAspect="1"/>
+          </p:cNvPicPr>
+          <p:nvPr/>
+        </p:nvPicPr>
+        <p:blipFill>
+          <a:blip r:embed="rId2"/>
+          <a:stretch>
+            <a:fillRect/>
+          </a:stretch>
+        </p:blipFill>
+        <p:spPr>
+          <a:xfrm>
+            <a:off x="5373524" y="0"/>
+            <a:ext cx="5205851" cy="6840538"/>
+          </a:xfrm>
+          <a:prstGeom prst="rect">
+            <a:avLst/>
+          </a:prstGeom>
+        </p:spPr>
+      </p:pic>
+    </p:spTree>
+    <p:extLst>
+      <p:ext uri="{BB962C8B-B14F-4D97-AF65-F5344CB8AC3E}">
+        <p14:creationId xmlns:p14="http://schemas.microsoft.com/office/powerpoint/2010/main" val="2604908883"/>
+      </p:ext>
+    </p:extLst>
+  </p:cSld>
+  <p:clrMapOvr>
+    <a:masterClrMapping/>
+  </p:clrMapOvr>
+</p:sld>
+</file>
+
+<file path=ppt/slides/slide38.xml><?xml version="1.0" encoding="utf-8"?>
+<p:sld xmlns:a="http://schemas.openxmlformats.org/drawingml/2006/main" xmlns:r="http://schemas.openxmlformats.org/officeDocument/2006/relationships" xmlns:p="http://schemas.openxmlformats.org/presentationml/2006/main">
+  <p:cSld>
+    <p:spTree>
+      <p:nvGrpSpPr>
+        <p:cNvPr id="1" name=""/>
+        <p:cNvGrpSpPr/>
+        <p:nvPr/>
+      </p:nvGrpSpPr>
+      <p:grpSpPr>
+        <a:xfrm>
+          <a:off x="0" y="0"/>
+          <a:ext cx="0" cy="0"/>
+          <a:chOff x="0" y="0"/>
+          <a:chExt cx="0" cy="0"/>
+        </a:xfrm>
+      </p:grpSpPr>
+      <p:sp>
+        <p:nvSpPr>
+          <p:cNvPr id="5" name="제목 4"/>
+          <p:cNvSpPr>
+            <a:spLocks noGrp="1"/>
+          </p:cNvSpPr>
+          <p:nvPr>
+            <p:ph type="title"/>
+          </p:nvPr>
+        </p:nvSpPr>
+        <p:spPr>
+          <a:xfrm>
             <a:off x="608012" y="2700189"/>
             <a:ext cx="10944225" cy="1140090"/>
           </a:xfrm>
@@ -9639,7 +9784,7 @@
             <a:fld id="{6DDAE2C3-1A0B-474A-8CE8-AE55B8D9D4B1}" type="slidenum">
               <a:rPr lang="ko-KR" altLang="en-US" smtClean="0"/>
               <a:pPr/>
-              <a:t>37</a:t>
+              <a:t>38</a:t>
             </a:fld>
             <a:endParaRPr lang="ko-KR" altLang="en-US" dirty="0"/>
           </a:p>
@@ -9658,7 +9803,7 @@
 </p:sld>
 </file>
 
-<file path=ppt/slides/slide38.xml><?xml version="1.0" encoding="utf-8"?>
+<file path=ppt/slides/slide39.xml><?xml version="1.0" encoding="utf-8"?>
 <p:sld xmlns:a="http://schemas.openxmlformats.org/drawingml/2006/main" xmlns:r="http://schemas.openxmlformats.org/officeDocument/2006/relationships" xmlns:p="http://schemas.openxmlformats.org/presentationml/2006/main">
   <p:cSld>
     <p:spTree>
